--- a/Documents/teves new input.pptx
+++ b/Documents/teves new input.pptx
@@ -105,6 +105,11 @@
       </a:defRPr>
     </a:lvl9pPr>
   </p:defaultTextStyle>
+  <p:extLst>
+    <p:ext uri="{EFAFB233-063F-42B5-8137-9DF3F51BA10A}">
+      <p15:sldGuideLst xmlns:p15="http://schemas.microsoft.com/office/powerpoint/2012/main"/>
+    </p:ext>
+  </p:extLst>
 </p:presentation>
 </file>
 
@@ -257,7 +262,7 @@
           <a:p>
             <a:fld id="{946BCA7A-F3E9-44B5-90C9-75194851C406}" type="datetimeFigureOut">
               <a:rPr lang="en-PH" smtClean="0"/>
-              <a:t>19/03/2023</a:t>
+              <a:t>02/04/2023</a:t>
             </a:fld>
             <a:endParaRPr lang="en-PH"/>
           </a:p>
@@ -457,7 +462,7 @@
           <a:p>
             <a:fld id="{946BCA7A-F3E9-44B5-90C9-75194851C406}" type="datetimeFigureOut">
               <a:rPr lang="en-PH" smtClean="0"/>
-              <a:t>19/03/2023</a:t>
+              <a:t>02/04/2023</a:t>
             </a:fld>
             <a:endParaRPr lang="en-PH"/>
           </a:p>
@@ -667,7 +672,7 @@
           <a:p>
             <a:fld id="{946BCA7A-F3E9-44B5-90C9-75194851C406}" type="datetimeFigureOut">
               <a:rPr lang="en-PH" smtClean="0"/>
-              <a:t>19/03/2023</a:t>
+              <a:t>02/04/2023</a:t>
             </a:fld>
             <a:endParaRPr lang="en-PH"/>
           </a:p>
@@ -867,7 +872,7 @@
           <a:p>
             <a:fld id="{946BCA7A-F3E9-44B5-90C9-75194851C406}" type="datetimeFigureOut">
               <a:rPr lang="en-PH" smtClean="0"/>
-              <a:t>19/03/2023</a:t>
+              <a:t>02/04/2023</a:t>
             </a:fld>
             <a:endParaRPr lang="en-PH"/>
           </a:p>
@@ -1143,7 +1148,7 @@
           <a:p>
             <a:fld id="{946BCA7A-F3E9-44B5-90C9-75194851C406}" type="datetimeFigureOut">
               <a:rPr lang="en-PH" smtClean="0"/>
-              <a:t>19/03/2023</a:t>
+              <a:t>02/04/2023</a:t>
             </a:fld>
             <a:endParaRPr lang="en-PH"/>
           </a:p>
@@ -1411,7 +1416,7 @@
           <a:p>
             <a:fld id="{946BCA7A-F3E9-44B5-90C9-75194851C406}" type="datetimeFigureOut">
               <a:rPr lang="en-PH" smtClean="0"/>
-              <a:t>19/03/2023</a:t>
+              <a:t>02/04/2023</a:t>
             </a:fld>
             <a:endParaRPr lang="en-PH"/>
           </a:p>
@@ -1826,7 +1831,7 @@
           <a:p>
             <a:fld id="{946BCA7A-F3E9-44B5-90C9-75194851C406}" type="datetimeFigureOut">
               <a:rPr lang="en-PH" smtClean="0"/>
-              <a:t>19/03/2023</a:t>
+              <a:t>02/04/2023</a:t>
             </a:fld>
             <a:endParaRPr lang="en-PH"/>
           </a:p>
@@ -1968,7 +1973,7 @@
           <a:p>
             <a:fld id="{946BCA7A-F3E9-44B5-90C9-75194851C406}" type="datetimeFigureOut">
               <a:rPr lang="en-PH" smtClean="0"/>
-              <a:t>19/03/2023</a:t>
+              <a:t>02/04/2023</a:t>
             </a:fld>
             <a:endParaRPr lang="en-PH"/>
           </a:p>
@@ -2081,7 +2086,7 @@
           <a:p>
             <a:fld id="{946BCA7A-F3E9-44B5-90C9-75194851C406}" type="datetimeFigureOut">
               <a:rPr lang="en-PH" smtClean="0"/>
-              <a:t>19/03/2023</a:t>
+              <a:t>02/04/2023</a:t>
             </a:fld>
             <a:endParaRPr lang="en-PH"/>
           </a:p>
@@ -2394,7 +2399,7 @@
           <a:p>
             <a:fld id="{946BCA7A-F3E9-44B5-90C9-75194851C406}" type="datetimeFigureOut">
               <a:rPr lang="en-PH" smtClean="0"/>
-              <a:t>19/03/2023</a:t>
+              <a:t>02/04/2023</a:t>
             </a:fld>
             <a:endParaRPr lang="en-PH"/>
           </a:p>
@@ -2683,7 +2688,7 @@
           <a:p>
             <a:fld id="{946BCA7A-F3E9-44B5-90C9-75194851C406}" type="datetimeFigureOut">
               <a:rPr lang="en-PH" smtClean="0"/>
-              <a:t>19/03/2023</a:t>
+              <a:t>02/04/2023</a:t>
             </a:fld>
             <a:endParaRPr lang="en-PH"/>
           </a:p>
@@ -2926,7 +2931,7 @@
           <a:p>
             <a:fld id="{946BCA7A-F3E9-44B5-90C9-75194851C406}" type="datetimeFigureOut">
               <a:rPr lang="en-PH" smtClean="0"/>
-              <a:t>19/03/2023</a:t>
+              <a:t>02/04/2023</a:t>
             </a:fld>
             <a:endParaRPr lang="en-PH"/>
           </a:p>
@@ -3746,12 +3751,8 @@
           </a:p>
           <a:p>
             <a:r>
-              <a:rPr lang="en-PH" dirty="0" err="1"/>
-              <a:t>Remainning</a:t>
-            </a:r>
-            <a:r>
               <a:rPr lang="en-PH" dirty="0"/>
-              <a:t> balance will be updated on every entry or deletion.</a:t>
+              <a:t>Remaining balance will be updated on every entry or deletion.</a:t>
             </a:r>
           </a:p>
         </p:txBody>

--- a/Documents/teves new input.pptx
+++ b/Documents/teves new input.pptx
@@ -7,6 +7,7 @@
   <p:sldIdLst>
     <p:sldId id="256" r:id="rId2"/>
     <p:sldId id="257" r:id="rId3"/>
+    <p:sldId id="258" r:id="rId4"/>
   </p:sldIdLst>
   <p:sldSz cx="12192000" cy="6858000"/>
   <p:notesSz cx="6858000" cy="9144000"/>
@@ -262,7 +263,7 @@
           <a:p>
             <a:fld id="{946BCA7A-F3E9-44B5-90C9-75194851C406}" type="datetimeFigureOut">
               <a:rPr lang="en-PH" smtClean="0"/>
-              <a:t>02/04/2023</a:t>
+              <a:t>15/04/2023</a:t>
             </a:fld>
             <a:endParaRPr lang="en-PH"/>
           </a:p>
@@ -462,7 +463,7 @@
           <a:p>
             <a:fld id="{946BCA7A-F3E9-44B5-90C9-75194851C406}" type="datetimeFigureOut">
               <a:rPr lang="en-PH" smtClean="0"/>
-              <a:t>02/04/2023</a:t>
+              <a:t>15/04/2023</a:t>
             </a:fld>
             <a:endParaRPr lang="en-PH"/>
           </a:p>
@@ -672,7 +673,7 @@
           <a:p>
             <a:fld id="{946BCA7A-F3E9-44B5-90C9-75194851C406}" type="datetimeFigureOut">
               <a:rPr lang="en-PH" smtClean="0"/>
-              <a:t>02/04/2023</a:t>
+              <a:t>15/04/2023</a:t>
             </a:fld>
             <a:endParaRPr lang="en-PH"/>
           </a:p>
@@ -872,7 +873,7 @@
           <a:p>
             <a:fld id="{946BCA7A-F3E9-44B5-90C9-75194851C406}" type="datetimeFigureOut">
               <a:rPr lang="en-PH" smtClean="0"/>
-              <a:t>02/04/2023</a:t>
+              <a:t>15/04/2023</a:t>
             </a:fld>
             <a:endParaRPr lang="en-PH"/>
           </a:p>
@@ -1148,7 +1149,7 @@
           <a:p>
             <a:fld id="{946BCA7A-F3E9-44B5-90C9-75194851C406}" type="datetimeFigureOut">
               <a:rPr lang="en-PH" smtClean="0"/>
-              <a:t>02/04/2023</a:t>
+              <a:t>15/04/2023</a:t>
             </a:fld>
             <a:endParaRPr lang="en-PH"/>
           </a:p>
@@ -1416,7 +1417,7 @@
           <a:p>
             <a:fld id="{946BCA7A-F3E9-44B5-90C9-75194851C406}" type="datetimeFigureOut">
               <a:rPr lang="en-PH" smtClean="0"/>
-              <a:t>02/04/2023</a:t>
+              <a:t>15/04/2023</a:t>
             </a:fld>
             <a:endParaRPr lang="en-PH"/>
           </a:p>
@@ -1831,7 +1832,7 @@
           <a:p>
             <a:fld id="{946BCA7A-F3E9-44B5-90C9-75194851C406}" type="datetimeFigureOut">
               <a:rPr lang="en-PH" smtClean="0"/>
-              <a:t>02/04/2023</a:t>
+              <a:t>15/04/2023</a:t>
             </a:fld>
             <a:endParaRPr lang="en-PH"/>
           </a:p>
@@ -1973,7 +1974,7 @@
           <a:p>
             <a:fld id="{946BCA7A-F3E9-44B5-90C9-75194851C406}" type="datetimeFigureOut">
               <a:rPr lang="en-PH" smtClean="0"/>
-              <a:t>02/04/2023</a:t>
+              <a:t>15/04/2023</a:t>
             </a:fld>
             <a:endParaRPr lang="en-PH"/>
           </a:p>
@@ -2086,7 +2087,7 @@
           <a:p>
             <a:fld id="{946BCA7A-F3E9-44B5-90C9-75194851C406}" type="datetimeFigureOut">
               <a:rPr lang="en-PH" smtClean="0"/>
-              <a:t>02/04/2023</a:t>
+              <a:t>15/04/2023</a:t>
             </a:fld>
             <a:endParaRPr lang="en-PH"/>
           </a:p>
@@ -2399,7 +2400,7 @@
           <a:p>
             <a:fld id="{946BCA7A-F3E9-44B5-90C9-75194851C406}" type="datetimeFigureOut">
               <a:rPr lang="en-PH" smtClean="0"/>
-              <a:t>02/04/2023</a:t>
+              <a:t>15/04/2023</a:t>
             </a:fld>
             <a:endParaRPr lang="en-PH"/>
           </a:p>
@@ -2688,7 +2689,7 @@
           <a:p>
             <a:fld id="{946BCA7A-F3E9-44B5-90C9-75194851C406}" type="datetimeFigureOut">
               <a:rPr lang="en-PH" smtClean="0"/>
-              <a:t>02/04/2023</a:t>
+              <a:t>15/04/2023</a:t>
             </a:fld>
             <a:endParaRPr lang="en-PH"/>
           </a:p>
@@ -2931,7 +2932,7 @@
           <a:p>
             <a:fld id="{946BCA7A-F3E9-44B5-90C9-75194851C406}" type="datetimeFigureOut">
               <a:rPr lang="en-PH" smtClean="0"/>
-              <a:t>02/04/2023</a:t>
+              <a:t>15/04/2023</a:t>
             </a:fld>
             <a:endParaRPr lang="en-PH"/>
           </a:p>
@@ -3658,7 +3659,7 @@
         <p:spPr>
           <a:xfrm>
             <a:off x="6096000" y="843240"/>
-            <a:ext cx="4323806" cy="369332"/>
+            <a:ext cx="4323806" cy="923330"/>
           </a:xfrm>
           <a:prstGeom prst="rect">
             <a:avLst/>
@@ -3676,6 +3677,15 @@
               <a:t>Statement of Account</a:t>
             </a:r>
           </a:p>
+          <a:p>
+            <a:endParaRPr lang="en-PH" dirty="0"/>
+          </a:p>
+          <a:p>
+            <a:r>
+              <a:rPr lang="en-PH" dirty="0"/>
+              <a:t>S</a:t>
+            </a:r>
+          </a:p>
         </p:txBody>
       </p:sp>
       <p:sp>
@@ -3693,7 +3703,7 @@
         <p:spPr>
           <a:xfrm>
             <a:off x="6095999" y="1375748"/>
-            <a:ext cx="5416731" cy="2585323"/>
+            <a:ext cx="5416731" cy="4801314"/>
           </a:xfrm>
           <a:prstGeom prst="rect">
             <a:avLst/>
@@ -3730,7 +3740,13 @@
             </a:r>
           </a:p>
           <a:p>
-            <a:endParaRPr lang="en-PH" dirty="0"/>
+            <a:r>
+              <a:rPr lang="en-PH" dirty="0">
+                <a:latin typeface="Segoe UI" panose="020B0502040204020203" pitchFamily="34" charset="0"/>
+                <a:cs typeface="Segoe UI" panose="020B0502040204020203" pitchFamily="34" charset="0"/>
+              </a:rPr>
+              <a:t>STATEMENT</a:t>
+            </a:r>
           </a:p>
           <a:p>
             <a:r>
@@ -3753,6 +3769,27 @@
             <a:r>
               <a:rPr lang="en-PH" dirty="0"/>
               <a:t>Remaining balance will be updated on every entry or deletion.</a:t>
+            </a:r>
+          </a:p>
+          <a:p>
+            <a:endParaRPr lang="en-PH" dirty="0"/>
+          </a:p>
+          <a:p>
+            <a:endParaRPr lang="en-PH" dirty="0"/>
+          </a:p>
+          <a:p>
+            <a:r>
+              <a:rPr lang="en-PH" dirty="0"/>
+              <a:t>By Affixing your signature below, you hereby acknowledge to have a current pending payable as stated and do acknowledge that you received the original purchase order copy for re-checking purposes.</a:t>
+            </a:r>
+          </a:p>
+          <a:p>
+            <a:endParaRPr lang="en-PH" dirty="0"/>
+          </a:p>
+          <a:p>
+            <a:r>
+              <a:rPr lang="en-PH" dirty="0"/>
+              <a:t>G-T Petroleum Products Retailing Proprietor</a:t>
             </a:r>
           </a:p>
         </p:txBody>
@@ -3761,6 +3798,98 @@
     <p:extLst>
       <p:ext uri="{BB962C8B-B14F-4D97-AF65-F5344CB8AC3E}">
         <p14:creationId xmlns:p14="http://schemas.microsoft.com/office/powerpoint/2010/main" val="991203008"/>
+      </p:ext>
+    </p:extLst>
+  </p:cSld>
+  <p:clrMapOvr>
+    <a:masterClrMapping/>
+  </p:clrMapOvr>
+</p:sld>
+</file>
+
+<file path=ppt/slides/slide3.xml><?xml version="1.0" encoding="utf-8"?>
+<p:sld xmlns:a="http://schemas.openxmlformats.org/drawingml/2006/main" xmlns:r="http://schemas.openxmlformats.org/officeDocument/2006/relationships" xmlns:p="http://schemas.openxmlformats.org/presentationml/2006/main">
+  <p:cSld>
+    <p:spTree>
+      <p:nvGrpSpPr>
+        <p:cNvPr id="1" name=""/>
+        <p:cNvGrpSpPr/>
+        <p:nvPr/>
+      </p:nvGrpSpPr>
+      <p:grpSpPr>
+        <a:xfrm>
+          <a:off x="0" y="0"/>
+          <a:ext cx="0" cy="0"/>
+          <a:chOff x="0" y="0"/>
+          <a:chExt cx="0" cy="0"/>
+        </a:xfrm>
+      </p:grpSpPr>
+      <p:sp>
+        <p:nvSpPr>
+          <p:cNvPr id="2" name="Title 1">
+            <a:extLst>
+              <a:ext uri="{FF2B5EF4-FFF2-40B4-BE49-F238E27FC236}">
+                <a16:creationId xmlns:a16="http://schemas.microsoft.com/office/drawing/2014/main" id="{C28FF6DC-C0B3-7DB8-A7F2-434609E631E4}"/>
+              </a:ext>
+            </a:extLst>
+          </p:cNvPr>
+          <p:cNvSpPr>
+            <a:spLocks noGrp="1"/>
+          </p:cNvSpPr>
+          <p:nvPr>
+            <p:ph type="title"/>
+          </p:nvPr>
+        </p:nvSpPr>
+        <p:spPr/>
+        <p:txBody>
+          <a:bodyPr/>
+          <a:lstStyle/>
+          <a:p>
+            <a:endParaRPr lang="en-PH"/>
+          </a:p>
+        </p:txBody>
+      </p:sp>
+      <p:sp>
+        <p:nvSpPr>
+          <p:cNvPr id="3" name="Content Placeholder 2">
+            <a:extLst>
+              <a:ext uri="{FF2B5EF4-FFF2-40B4-BE49-F238E27FC236}">
+                <a16:creationId xmlns:a16="http://schemas.microsoft.com/office/drawing/2014/main" id="{A57DCD92-B8FD-3CB1-AC27-494B879494BE}"/>
+              </a:ext>
+            </a:extLst>
+          </p:cNvPr>
+          <p:cNvSpPr>
+            <a:spLocks noGrp="1"/>
+          </p:cNvSpPr>
+          <p:nvPr>
+            <p:ph idx="1"/>
+          </p:nvPr>
+        </p:nvSpPr>
+        <p:spPr/>
+        <p:txBody>
+          <a:bodyPr/>
+          <a:lstStyle/>
+          <a:p>
+            <a:r>
+              <a:rPr lang="en-PH" dirty="0"/>
+              <a:t>Remove Purchase order from ordinary user(Done 04/20/2023)</a:t>
+            </a:r>
+          </a:p>
+          <a:p>
+            <a:r>
+              <a:rPr lang="en-PH" dirty="0"/>
+              <a:t>Sales order only visible within the day to ordinary user(Done 04/20/2023)</a:t>
+            </a:r>
+          </a:p>
+          <a:p>
+            <a:endParaRPr lang="en-PH" dirty="0"/>
+          </a:p>
+        </p:txBody>
+      </p:sp>
+    </p:spTree>
+    <p:extLst>
+      <p:ext uri="{BB962C8B-B14F-4D97-AF65-F5344CB8AC3E}">
+        <p14:creationId xmlns:p14="http://schemas.microsoft.com/office/powerpoint/2010/main" val="2032050289"/>
       </p:ext>
     </p:extLst>
   </p:cSld>

--- a/Documents/teves new input.pptx
+++ b/Documents/teves new input.pptx
@@ -8,6 +8,10 @@
     <p:sldId id="256" r:id="rId2"/>
     <p:sldId id="257" r:id="rId3"/>
     <p:sldId id="258" r:id="rId4"/>
+    <p:sldId id="259" r:id="rId5"/>
+    <p:sldId id="260" r:id="rId6"/>
+    <p:sldId id="261" r:id="rId7"/>
+    <p:sldId id="262" r:id="rId8"/>
   </p:sldIdLst>
   <p:sldSz cx="12192000" cy="6858000"/>
   <p:notesSz cx="6858000" cy="9144000"/>
@@ -263,7 +267,7 @@
           <a:p>
             <a:fld id="{946BCA7A-F3E9-44B5-90C9-75194851C406}" type="datetimeFigureOut">
               <a:rPr lang="en-PH" smtClean="0"/>
-              <a:t>15/04/2023</a:t>
+              <a:t>30/05/2023</a:t>
             </a:fld>
             <a:endParaRPr lang="en-PH"/>
           </a:p>
@@ -463,7 +467,7 @@
           <a:p>
             <a:fld id="{946BCA7A-F3E9-44B5-90C9-75194851C406}" type="datetimeFigureOut">
               <a:rPr lang="en-PH" smtClean="0"/>
-              <a:t>15/04/2023</a:t>
+              <a:t>30/05/2023</a:t>
             </a:fld>
             <a:endParaRPr lang="en-PH"/>
           </a:p>
@@ -673,7 +677,7 @@
           <a:p>
             <a:fld id="{946BCA7A-F3E9-44B5-90C9-75194851C406}" type="datetimeFigureOut">
               <a:rPr lang="en-PH" smtClean="0"/>
-              <a:t>15/04/2023</a:t>
+              <a:t>30/05/2023</a:t>
             </a:fld>
             <a:endParaRPr lang="en-PH"/>
           </a:p>
@@ -873,7 +877,7 @@
           <a:p>
             <a:fld id="{946BCA7A-F3E9-44B5-90C9-75194851C406}" type="datetimeFigureOut">
               <a:rPr lang="en-PH" smtClean="0"/>
-              <a:t>15/04/2023</a:t>
+              <a:t>30/05/2023</a:t>
             </a:fld>
             <a:endParaRPr lang="en-PH"/>
           </a:p>
@@ -1149,7 +1153,7 @@
           <a:p>
             <a:fld id="{946BCA7A-F3E9-44B5-90C9-75194851C406}" type="datetimeFigureOut">
               <a:rPr lang="en-PH" smtClean="0"/>
-              <a:t>15/04/2023</a:t>
+              <a:t>30/05/2023</a:t>
             </a:fld>
             <a:endParaRPr lang="en-PH"/>
           </a:p>
@@ -1417,7 +1421,7 @@
           <a:p>
             <a:fld id="{946BCA7A-F3E9-44B5-90C9-75194851C406}" type="datetimeFigureOut">
               <a:rPr lang="en-PH" smtClean="0"/>
-              <a:t>15/04/2023</a:t>
+              <a:t>30/05/2023</a:t>
             </a:fld>
             <a:endParaRPr lang="en-PH"/>
           </a:p>
@@ -1832,7 +1836,7 @@
           <a:p>
             <a:fld id="{946BCA7A-F3E9-44B5-90C9-75194851C406}" type="datetimeFigureOut">
               <a:rPr lang="en-PH" smtClean="0"/>
-              <a:t>15/04/2023</a:t>
+              <a:t>30/05/2023</a:t>
             </a:fld>
             <a:endParaRPr lang="en-PH"/>
           </a:p>
@@ -1974,7 +1978,7 @@
           <a:p>
             <a:fld id="{946BCA7A-F3E9-44B5-90C9-75194851C406}" type="datetimeFigureOut">
               <a:rPr lang="en-PH" smtClean="0"/>
-              <a:t>15/04/2023</a:t>
+              <a:t>30/05/2023</a:t>
             </a:fld>
             <a:endParaRPr lang="en-PH"/>
           </a:p>
@@ -2087,7 +2091,7 @@
           <a:p>
             <a:fld id="{946BCA7A-F3E9-44B5-90C9-75194851C406}" type="datetimeFigureOut">
               <a:rPr lang="en-PH" smtClean="0"/>
-              <a:t>15/04/2023</a:t>
+              <a:t>30/05/2023</a:t>
             </a:fld>
             <a:endParaRPr lang="en-PH"/>
           </a:p>
@@ -2400,7 +2404,7 @@
           <a:p>
             <a:fld id="{946BCA7A-F3E9-44B5-90C9-75194851C406}" type="datetimeFigureOut">
               <a:rPr lang="en-PH" smtClean="0"/>
-              <a:t>15/04/2023</a:t>
+              <a:t>30/05/2023</a:t>
             </a:fld>
             <a:endParaRPr lang="en-PH"/>
           </a:p>
@@ -2689,7 +2693,7 @@
           <a:p>
             <a:fld id="{946BCA7A-F3E9-44B5-90C9-75194851C406}" type="datetimeFigureOut">
               <a:rPr lang="en-PH" smtClean="0"/>
-              <a:t>15/04/2023</a:t>
+              <a:t>30/05/2023</a:t>
             </a:fld>
             <a:endParaRPr lang="en-PH"/>
           </a:p>
@@ -2932,7 +2936,7 @@
           <a:p>
             <a:fld id="{946BCA7A-F3E9-44B5-90C9-75194851C406}" type="datetimeFigureOut">
               <a:rPr lang="en-PH" smtClean="0"/>
-              <a:t>15/04/2023</a:t>
+              <a:t>30/05/2023</a:t>
             </a:fld>
             <a:endParaRPr lang="en-PH"/>
           </a:p>
@@ -3899,6 +3903,449 @@
 </p:sld>
 </file>
 
+<file path=ppt/slides/slide4.xml><?xml version="1.0" encoding="utf-8"?>
+<p:sld xmlns:a="http://schemas.openxmlformats.org/drawingml/2006/main" xmlns:r="http://schemas.openxmlformats.org/officeDocument/2006/relationships" xmlns:p="http://schemas.openxmlformats.org/presentationml/2006/main">
+  <p:cSld>
+    <p:spTree>
+      <p:nvGrpSpPr>
+        <p:cNvPr id="1" name=""/>
+        <p:cNvGrpSpPr/>
+        <p:nvPr/>
+      </p:nvGrpSpPr>
+      <p:grpSpPr>
+        <a:xfrm>
+          <a:off x="0" y="0"/>
+          <a:ext cx="0" cy="0"/>
+          <a:chOff x="0" y="0"/>
+          <a:chExt cx="0" cy="0"/>
+        </a:xfrm>
+      </p:grpSpPr>
+      <p:pic>
+        <p:nvPicPr>
+          <p:cNvPr id="5" name="Picture 4">
+            <a:extLst>
+              <a:ext uri="{FF2B5EF4-FFF2-40B4-BE49-F238E27FC236}">
+                <a16:creationId xmlns:a16="http://schemas.microsoft.com/office/drawing/2014/main" id="{82DB6C41-8EF2-1FC1-548D-EBEF47B9650D}"/>
+              </a:ext>
+            </a:extLst>
+          </p:cNvPr>
+          <p:cNvPicPr>
+            <a:picLocks noChangeAspect="1"/>
+          </p:cNvPicPr>
+          <p:nvPr/>
+        </p:nvPicPr>
+        <p:blipFill>
+          <a:blip r:embed="rId2"/>
+          <a:stretch>
+            <a:fillRect/>
+          </a:stretch>
+        </p:blipFill>
+        <p:spPr>
+          <a:xfrm>
+            <a:off x="1250768" y="365125"/>
+            <a:ext cx="9690463" cy="3309644"/>
+          </a:xfrm>
+          <a:prstGeom prst="rect">
+            <a:avLst/>
+          </a:prstGeom>
+        </p:spPr>
+      </p:pic>
+      <p:sp>
+        <p:nvSpPr>
+          <p:cNvPr id="6" name="TextBox 5">
+            <a:extLst>
+              <a:ext uri="{FF2B5EF4-FFF2-40B4-BE49-F238E27FC236}">
+                <a16:creationId xmlns:a16="http://schemas.microsoft.com/office/drawing/2014/main" id="{AB2283FC-4A76-D8B9-2852-CA65C19F98C7}"/>
+              </a:ext>
+            </a:extLst>
+          </p:cNvPr>
+          <p:cNvSpPr txBox="1"/>
+          <p:nvPr/>
+        </p:nvSpPr>
+        <p:spPr>
+          <a:xfrm>
+            <a:off x="1250768" y="3674769"/>
+            <a:ext cx="8720545" cy="369332"/>
+          </a:xfrm>
+          <a:prstGeom prst="rect">
+            <a:avLst/>
+          </a:prstGeom>
+          <a:noFill/>
+        </p:spPr>
+        <p:txBody>
+          <a:bodyPr wrap="square" rtlCol="0">
+            <a:spAutoFit/>
+          </a:bodyPr>
+          <a:lstStyle/>
+          <a:p>
+            <a:r>
+              <a:rPr lang="en-US" dirty="0"/>
+              <a:t>*****Payment terms </a:t>
+            </a:r>
+            <a:r>
+              <a:rPr lang="en-US" dirty="0" err="1"/>
+              <a:t>makikita</a:t>
+            </a:r>
+            <a:r>
+              <a:rPr lang="en-US" dirty="0"/>
+              <a:t> lang after ma save as receivables</a:t>
+            </a:r>
+          </a:p>
+        </p:txBody>
+      </p:sp>
+    </p:spTree>
+    <p:extLst>
+      <p:ext uri="{BB962C8B-B14F-4D97-AF65-F5344CB8AC3E}">
+        <p14:creationId xmlns:p14="http://schemas.microsoft.com/office/powerpoint/2010/main" val="3265677264"/>
+      </p:ext>
+    </p:extLst>
+  </p:cSld>
+  <p:clrMapOvr>
+    <a:masterClrMapping/>
+  </p:clrMapOvr>
+</p:sld>
+</file>
+
+<file path=ppt/slides/slide5.xml><?xml version="1.0" encoding="utf-8"?>
+<p:sld xmlns:a="http://schemas.openxmlformats.org/drawingml/2006/main" xmlns:r="http://schemas.openxmlformats.org/officeDocument/2006/relationships" xmlns:p="http://schemas.openxmlformats.org/presentationml/2006/main">
+  <p:cSld>
+    <p:spTree>
+      <p:nvGrpSpPr>
+        <p:cNvPr id="1" name=""/>
+        <p:cNvGrpSpPr/>
+        <p:nvPr/>
+      </p:nvGrpSpPr>
+      <p:grpSpPr>
+        <a:xfrm>
+          <a:off x="0" y="0"/>
+          <a:ext cx="0" cy="0"/>
+          <a:chOff x="0" y="0"/>
+          <a:chExt cx="0" cy="0"/>
+        </a:xfrm>
+      </p:grpSpPr>
+      <p:sp>
+        <p:nvSpPr>
+          <p:cNvPr id="2" name="Title 1">
+            <a:extLst>
+              <a:ext uri="{FF2B5EF4-FFF2-40B4-BE49-F238E27FC236}">
+                <a16:creationId xmlns:a16="http://schemas.microsoft.com/office/drawing/2014/main" id="{43E53768-B29D-D2C2-210F-A8321D482428}"/>
+              </a:ext>
+            </a:extLst>
+          </p:cNvPr>
+          <p:cNvSpPr>
+            <a:spLocks noGrp="1"/>
+          </p:cNvSpPr>
+          <p:nvPr>
+            <p:ph type="title"/>
+          </p:nvPr>
+        </p:nvSpPr>
+        <p:spPr/>
+        <p:txBody>
+          <a:bodyPr/>
+          <a:lstStyle/>
+          <a:p>
+            <a:endParaRPr lang="en-PH"/>
+          </a:p>
+        </p:txBody>
+      </p:sp>
+      <p:sp>
+        <p:nvSpPr>
+          <p:cNvPr id="3" name="Content Placeholder 2">
+            <a:extLst>
+              <a:ext uri="{FF2B5EF4-FFF2-40B4-BE49-F238E27FC236}">
+                <a16:creationId xmlns:a16="http://schemas.microsoft.com/office/drawing/2014/main" id="{8E0AAF86-7D7B-590A-C828-2000DD0A37CD}"/>
+              </a:ext>
+            </a:extLst>
+          </p:cNvPr>
+          <p:cNvSpPr>
+            <a:spLocks noGrp="1"/>
+          </p:cNvSpPr>
+          <p:nvPr>
+            <p:ph idx="1"/>
+          </p:nvPr>
+        </p:nvSpPr>
+        <p:spPr/>
+        <p:txBody>
+          <a:bodyPr/>
+          <a:lstStyle/>
+          <a:p>
+            <a:endParaRPr lang="en-PH"/>
+          </a:p>
+        </p:txBody>
+      </p:sp>
+      <p:pic>
+        <p:nvPicPr>
+          <p:cNvPr id="5" name="Picture 4">
+            <a:extLst>
+              <a:ext uri="{FF2B5EF4-FFF2-40B4-BE49-F238E27FC236}">
+                <a16:creationId xmlns:a16="http://schemas.microsoft.com/office/drawing/2014/main" id="{BCBE2465-6D03-3264-2A61-70C2F1C4F781}"/>
+              </a:ext>
+            </a:extLst>
+          </p:cNvPr>
+          <p:cNvPicPr>
+            <a:picLocks noChangeAspect="1"/>
+          </p:cNvPicPr>
+          <p:nvPr/>
+        </p:nvPicPr>
+        <p:blipFill>
+          <a:blip r:embed="rId2"/>
+          <a:stretch>
+            <a:fillRect/>
+          </a:stretch>
+        </p:blipFill>
+        <p:spPr>
+          <a:xfrm>
+            <a:off x="1045028" y="259115"/>
+            <a:ext cx="9379131" cy="5249225"/>
+          </a:xfrm>
+          <a:prstGeom prst="rect">
+            <a:avLst/>
+          </a:prstGeom>
+        </p:spPr>
+      </p:pic>
+    </p:spTree>
+    <p:extLst>
+      <p:ext uri="{BB962C8B-B14F-4D97-AF65-F5344CB8AC3E}">
+        <p14:creationId xmlns:p14="http://schemas.microsoft.com/office/powerpoint/2010/main" val="1241102678"/>
+      </p:ext>
+    </p:extLst>
+  </p:cSld>
+  <p:clrMapOvr>
+    <a:masterClrMapping/>
+  </p:clrMapOvr>
+</p:sld>
+</file>
+
+<file path=ppt/slides/slide6.xml><?xml version="1.0" encoding="utf-8"?>
+<p:sld xmlns:a="http://schemas.openxmlformats.org/drawingml/2006/main" xmlns:r="http://schemas.openxmlformats.org/officeDocument/2006/relationships" xmlns:p="http://schemas.openxmlformats.org/presentationml/2006/main">
+  <p:cSld>
+    <p:spTree>
+      <p:nvGrpSpPr>
+        <p:cNvPr id="1" name=""/>
+        <p:cNvGrpSpPr/>
+        <p:nvPr/>
+      </p:nvGrpSpPr>
+      <p:grpSpPr>
+        <a:xfrm>
+          <a:off x="0" y="0"/>
+          <a:ext cx="0" cy="0"/>
+          <a:chOff x="0" y="0"/>
+          <a:chExt cx="0" cy="0"/>
+        </a:xfrm>
+      </p:grpSpPr>
+      <p:sp>
+        <p:nvSpPr>
+          <p:cNvPr id="2" name="Title 1">
+            <a:extLst>
+              <a:ext uri="{FF2B5EF4-FFF2-40B4-BE49-F238E27FC236}">
+                <a16:creationId xmlns:a16="http://schemas.microsoft.com/office/drawing/2014/main" id="{43D44D3A-CA4B-3AF8-854D-F03BCDAEF28E}"/>
+              </a:ext>
+            </a:extLst>
+          </p:cNvPr>
+          <p:cNvSpPr>
+            <a:spLocks noGrp="1"/>
+          </p:cNvSpPr>
+          <p:nvPr>
+            <p:ph type="title"/>
+          </p:nvPr>
+        </p:nvSpPr>
+        <p:spPr/>
+        <p:txBody>
+          <a:bodyPr/>
+          <a:lstStyle/>
+          <a:p>
+            <a:endParaRPr lang="en-PH"/>
+          </a:p>
+        </p:txBody>
+      </p:sp>
+      <p:pic>
+        <p:nvPicPr>
+          <p:cNvPr id="5" name="Content Placeholder 4">
+            <a:extLst>
+              <a:ext uri="{FF2B5EF4-FFF2-40B4-BE49-F238E27FC236}">
+                <a16:creationId xmlns:a16="http://schemas.microsoft.com/office/drawing/2014/main" id="{1343DB21-CD76-7139-F93A-1366317F9439}"/>
+              </a:ext>
+            </a:extLst>
+          </p:cNvPr>
+          <p:cNvPicPr>
+            <a:picLocks noGrp="1" noChangeAspect="1"/>
+          </p:cNvPicPr>
+          <p:nvPr>
+            <p:ph idx="1"/>
+          </p:nvPr>
+        </p:nvPicPr>
+        <p:blipFill>
+          <a:blip r:embed="rId2"/>
+          <a:stretch>
+            <a:fillRect/>
+          </a:stretch>
+        </p:blipFill>
+        <p:spPr>
+          <a:xfrm>
+            <a:off x="838200" y="365124"/>
+            <a:ext cx="10889929" cy="4507321"/>
+          </a:xfrm>
+        </p:spPr>
+      </p:pic>
+      <p:sp>
+        <p:nvSpPr>
+          <p:cNvPr id="6" name="TextBox 5">
+            <a:extLst>
+              <a:ext uri="{FF2B5EF4-FFF2-40B4-BE49-F238E27FC236}">
+                <a16:creationId xmlns:a16="http://schemas.microsoft.com/office/drawing/2014/main" id="{4C4890CE-4438-3061-FCF6-7F9E7D89E727}"/>
+              </a:ext>
+            </a:extLst>
+          </p:cNvPr>
+          <p:cNvSpPr txBox="1"/>
+          <p:nvPr/>
+        </p:nvSpPr>
+        <p:spPr>
+          <a:xfrm>
+            <a:off x="2455817" y="5133703"/>
+            <a:ext cx="5682343" cy="369332"/>
+          </a:xfrm>
+          <a:prstGeom prst="rect">
+            <a:avLst/>
+          </a:prstGeom>
+          <a:noFill/>
+        </p:spPr>
+        <p:txBody>
+          <a:bodyPr wrap="square" rtlCol="0">
+            <a:spAutoFit/>
+          </a:bodyPr>
+          <a:lstStyle/>
+          <a:p>
+            <a:r>
+              <a:rPr lang="en-US" dirty="0"/>
+              <a:t>Pending on Additional option to transfer to Receivable</a:t>
+            </a:r>
+            <a:endParaRPr lang="en-PH" dirty="0"/>
+          </a:p>
+        </p:txBody>
+      </p:sp>
+    </p:spTree>
+    <p:extLst>
+      <p:ext uri="{BB962C8B-B14F-4D97-AF65-F5344CB8AC3E}">
+        <p14:creationId xmlns:p14="http://schemas.microsoft.com/office/powerpoint/2010/main" val="383464654"/>
+      </p:ext>
+    </p:extLst>
+  </p:cSld>
+  <p:clrMapOvr>
+    <a:masterClrMapping/>
+  </p:clrMapOvr>
+</p:sld>
+</file>
+
+<file path=ppt/slides/slide7.xml><?xml version="1.0" encoding="utf-8"?>
+<p:sld xmlns:a="http://schemas.openxmlformats.org/drawingml/2006/main" xmlns:r="http://schemas.openxmlformats.org/officeDocument/2006/relationships" xmlns:p="http://schemas.openxmlformats.org/presentationml/2006/main">
+  <p:cSld>
+    <p:spTree>
+      <p:nvGrpSpPr>
+        <p:cNvPr id="1" name=""/>
+        <p:cNvGrpSpPr/>
+        <p:nvPr/>
+      </p:nvGrpSpPr>
+      <p:grpSpPr>
+        <a:xfrm>
+          <a:off x="0" y="0"/>
+          <a:ext cx="0" cy="0"/>
+          <a:chOff x="0" y="0"/>
+          <a:chExt cx="0" cy="0"/>
+        </a:xfrm>
+      </p:grpSpPr>
+      <p:sp>
+        <p:nvSpPr>
+          <p:cNvPr id="2" name="Title 1">
+            <a:extLst>
+              <a:ext uri="{FF2B5EF4-FFF2-40B4-BE49-F238E27FC236}">
+                <a16:creationId xmlns:a16="http://schemas.microsoft.com/office/drawing/2014/main" id="{8C229125-00B9-8C40-87ED-EB03A0986A8F}"/>
+              </a:ext>
+            </a:extLst>
+          </p:cNvPr>
+          <p:cNvSpPr>
+            <a:spLocks noGrp="1"/>
+          </p:cNvSpPr>
+          <p:nvPr>
+            <p:ph type="title"/>
+          </p:nvPr>
+        </p:nvSpPr>
+        <p:spPr/>
+        <p:txBody>
+          <a:bodyPr/>
+          <a:lstStyle/>
+          <a:p>
+            <a:endParaRPr lang="en-PH"/>
+          </a:p>
+        </p:txBody>
+      </p:sp>
+      <p:sp>
+        <p:nvSpPr>
+          <p:cNvPr id="3" name="Content Placeholder 2">
+            <a:extLst>
+              <a:ext uri="{FF2B5EF4-FFF2-40B4-BE49-F238E27FC236}">
+                <a16:creationId xmlns:a16="http://schemas.microsoft.com/office/drawing/2014/main" id="{CEAF48C5-1E9A-6BB0-30FD-9760906DC31A}"/>
+              </a:ext>
+            </a:extLst>
+          </p:cNvPr>
+          <p:cNvSpPr>
+            <a:spLocks noGrp="1"/>
+          </p:cNvSpPr>
+          <p:nvPr>
+            <p:ph idx="1"/>
+          </p:nvPr>
+        </p:nvSpPr>
+        <p:spPr/>
+        <p:txBody>
+          <a:bodyPr/>
+          <a:lstStyle/>
+          <a:p>
+            <a:endParaRPr lang="en-PH"/>
+          </a:p>
+        </p:txBody>
+      </p:sp>
+      <p:pic>
+        <p:nvPicPr>
+          <p:cNvPr id="5" name="Picture 4">
+            <a:extLst>
+              <a:ext uri="{FF2B5EF4-FFF2-40B4-BE49-F238E27FC236}">
+                <a16:creationId xmlns:a16="http://schemas.microsoft.com/office/drawing/2014/main" id="{D18130FE-CCA6-A8BF-A256-4DDDD8966E61}"/>
+              </a:ext>
+            </a:extLst>
+          </p:cNvPr>
+          <p:cNvPicPr>
+            <a:picLocks noChangeAspect="1"/>
+          </p:cNvPicPr>
+          <p:nvPr/>
+        </p:nvPicPr>
+        <p:blipFill>
+          <a:blip r:embed="rId2"/>
+          <a:stretch>
+            <a:fillRect/>
+          </a:stretch>
+        </p:blipFill>
+        <p:spPr>
+          <a:xfrm>
+            <a:off x="590006" y="365125"/>
+            <a:ext cx="11011988" cy="4631917"/>
+          </a:xfrm>
+          <a:prstGeom prst="rect">
+            <a:avLst/>
+          </a:prstGeom>
+        </p:spPr>
+      </p:pic>
+    </p:spTree>
+    <p:extLst>
+      <p:ext uri="{BB962C8B-B14F-4D97-AF65-F5344CB8AC3E}">
+        <p14:creationId xmlns:p14="http://schemas.microsoft.com/office/powerpoint/2010/main" val="3837066668"/>
+      </p:ext>
+    </p:extLst>
+  </p:cSld>
+  <p:clrMapOvr>
+    <a:masterClrMapping/>
+  </p:clrMapOvr>
+</p:sld>
+</file>
+
 <file path=ppt/theme/theme1.xml><?xml version="1.0" encoding="utf-8"?>
 <a:theme xmlns:a="http://schemas.openxmlformats.org/drawingml/2006/main" name="Office Theme">
   <a:themeElements>

--- a/Documents/teves new input.pptx
+++ b/Documents/teves new input.pptx
@@ -267,7 +267,7 @@
           <a:p>
             <a:fld id="{946BCA7A-F3E9-44B5-90C9-75194851C406}" type="datetimeFigureOut">
               <a:rPr lang="en-PH" smtClean="0"/>
-              <a:t>30/05/2023</a:t>
+              <a:t>04/06/2023</a:t>
             </a:fld>
             <a:endParaRPr lang="en-PH"/>
           </a:p>
@@ -467,7 +467,7 @@
           <a:p>
             <a:fld id="{946BCA7A-F3E9-44B5-90C9-75194851C406}" type="datetimeFigureOut">
               <a:rPr lang="en-PH" smtClean="0"/>
-              <a:t>30/05/2023</a:t>
+              <a:t>04/06/2023</a:t>
             </a:fld>
             <a:endParaRPr lang="en-PH"/>
           </a:p>
@@ -677,7 +677,7 @@
           <a:p>
             <a:fld id="{946BCA7A-F3E9-44B5-90C9-75194851C406}" type="datetimeFigureOut">
               <a:rPr lang="en-PH" smtClean="0"/>
-              <a:t>30/05/2023</a:t>
+              <a:t>04/06/2023</a:t>
             </a:fld>
             <a:endParaRPr lang="en-PH"/>
           </a:p>
@@ -877,7 +877,7 @@
           <a:p>
             <a:fld id="{946BCA7A-F3E9-44B5-90C9-75194851C406}" type="datetimeFigureOut">
               <a:rPr lang="en-PH" smtClean="0"/>
-              <a:t>30/05/2023</a:t>
+              <a:t>04/06/2023</a:t>
             </a:fld>
             <a:endParaRPr lang="en-PH"/>
           </a:p>
@@ -1153,7 +1153,7 @@
           <a:p>
             <a:fld id="{946BCA7A-F3E9-44B5-90C9-75194851C406}" type="datetimeFigureOut">
               <a:rPr lang="en-PH" smtClean="0"/>
-              <a:t>30/05/2023</a:t>
+              <a:t>04/06/2023</a:t>
             </a:fld>
             <a:endParaRPr lang="en-PH"/>
           </a:p>
@@ -1421,7 +1421,7 @@
           <a:p>
             <a:fld id="{946BCA7A-F3E9-44B5-90C9-75194851C406}" type="datetimeFigureOut">
               <a:rPr lang="en-PH" smtClean="0"/>
-              <a:t>30/05/2023</a:t>
+              <a:t>04/06/2023</a:t>
             </a:fld>
             <a:endParaRPr lang="en-PH"/>
           </a:p>
@@ -1836,7 +1836,7 @@
           <a:p>
             <a:fld id="{946BCA7A-F3E9-44B5-90C9-75194851C406}" type="datetimeFigureOut">
               <a:rPr lang="en-PH" smtClean="0"/>
-              <a:t>30/05/2023</a:t>
+              <a:t>04/06/2023</a:t>
             </a:fld>
             <a:endParaRPr lang="en-PH"/>
           </a:p>
@@ -1978,7 +1978,7 @@
           <a:p>
             <a:fld id="{946BCA7A-F3E9-44B5-90C9-75194851C406}" type="datetimeFigureOut">
               <a:rPr lang="en-PH" smtClean="0"/>
-              <a:t>30/05/2023</a:t>
+              <a:t>04/06/2023</a:t>
             </a:fld>
             <a:endParaRPr lang="en-PH"/>
           </a:p>
@@ -2091,7 +2091,7 @@
           <a:p>
             <a:fld id="{946BCA7A-F3E9-44B5-90C9-75194851C406}" type="datetimeFigureOut">
               <a:rPr lang="en-PH" smtClean="0"/>
-              <a:t>30/05/2023</a:t>
+              <a:t>04/06/2023</a:t>
             </a:fld>
             <a:endParaRPr lang="en-PH"/>
           </a:p>
@@ -2404,7 +2404,7 @@
           <a:p>
             <a:fld id="{946BCA7A-F3E9-44B5-90C9-75194851C406}" type="datetimeFigureOut">
               <a:rPr lang="en-PH" smtClean="0"/>
-              <a:t>30/05/2023</a:t>
+              <a:t>04/06/2023</a:t>
             </a:fld>
             <a:endParaRPr lang="en-PH"/>
           </a:p>
@@ -2693,7 +2693,7 @@
           <a:p>
             <a:fld id="{946BCA7A-F3E9-44B5-90C9-75194851C406}" type="datetimeFigureOut">
               <a:rPr lang="en-PH" smtClean="0"/>
-              <a:t>30/05/2023</a:t>
+              <a:t>04/06/2023</a:t>
             </a:fld>
             <a:endParaRPr lang="en-PH"/>
           </a:p>
@@ -2936,7 +2936,7 @@
           <a:p>
             <a:fld id="{946BCA7A-F3E9-44B5-90C9-75194851C406}" type="datetimeFigureOut">
               <a:rPr lang="en-PH" smtClean="0"/>
-              <a:t>30/05/2023</a:t>
+              <a:t>04/06/2023</a:t>
             </a:fld>
             <a:endParaRPr lang="en-PH"/>
           </a:p>
